--- a/7 Semester Seminar/Git and Github - Copy.pptx
+++ b/7 Semester Seminar/Git and Github - Copy.pptx
@@ -10351,8 +10351,8 @@
         </p:nvSpPr>
         <p:spPr>
           <a:xfrm>
-            <a:off x="1334450" y="1513149"/>
-            <a:ext cx="6079810" cy="2833800"/>
+            <a:off x="1334450" y="1513148"/>
+            <a:ext cx="6354130" cy="3005511"/>
           </a:xfrm>
           <a:prstGeom prst="rect">
             <a:avLst/>
@@ -10375,15 +10375,48 @@
               <a:buChar char="⩥"/>
             </a:pPr>
             <a:r>
-              <a:rPr lang="en-IN" dirty="0"/>
-              <a:t>Easy to use and Implement.</a:t>
+              <a:rPr lang="en-US" sz="1600" dirty="0">
+                <a:solidFill>
+                  <a:schemeClr val="tx1"/>
+                </a:solidFill>
+                <a:latin typeface="Europa"/>
+              </a:rPr>
+              <a:t>GitHub</a:t>
             </a:r>
-            <a:endParaRPr dirty="0"/>
+            <a:r>
+              <a:rPr lang="en-US" sz="1600" i="0" dirty="0">
+                <a:solidFill>
+                  <a:schemeClr val="tx1"/>
+                </a:solidFill>
+                <a:effectLst/>
+                <a:latin typeface="Europa"/>
+              </a:rPr>
+              <a:t> makes it easy to contribute to your open source projects and also available for free if we keep that repository in public.</a:t>
+            </a:r>
+          </a:p>
+          <a:p>
+            <a:pPr marL="76200" lvl="0" indent="0" algn="l" rtl="0">
+              <a:spcBef>
+                <a:spcPts val="0"/>
+              </a:spcBef>
+              <a:spcAft>
+                <a:spcPts val="0"/>
+              </a:spcAft>
+              <a:buSzPts val="2400"/>
+              <a:buNone/>
+            </a:pPr>
+            <a:endParaRPr lang="en-US" sz="1600" i="0" dirty="0">
+              <a:solidFill>
+                <a:schemeClr val="tx1"/>
+              </a:solidFill>
+              <a:effectLst/>
+              <a:latin typeface="Europa"/>
+            </a:endParaRPr>
           </a:p>
           <a:p>
             <a:pPr marL="457200" lvl="0" indent="-381000" algn="l" rtl="0">
               <a:spcBef>
-                <a:spcPts val="600"/>
+                <a:spcPts val="0"/>
               </a:spcBef>
               <a:spcAft>
                 <a:spcPts val="0"/>
@@ -10392,18 +10425,37 @@
               <a:buChar char="⩥"/>
             </a:pPr>
             <a:r>
-              <a:rPr lang="en" dirty="0"/>
-              <a:t>The user does not need t</a:t>
-            </a:r>
-            <a:r>
-              <a:rPr lang="en-IN" dirty="0"/>
-              <a:t>o maintain and update the referenced database.</a:t>
+              <a:rPr lang="en-US" sz="1600" dirty="0">
+                <a:solidFill>
+                  <a:schemeClr val="tx1"/>
+                </a:solidFill>
+                <a:latin typeface="Europa"/>
+              </a:rPr>
+              <a:t>We can also add collaborators in GitHub so that many people can access that and can also do some changes and can also do code review and we also get a collaborator management page provided by GitHub.</a:t>
             </a:r>
           </a:p>
           <a:p>
             <a:pPr marL="457200" lvl="0" indent="-381000" algn="l" rtl="0">
               <a:spcBef>
-                <a:spcPts val="600"/>
+                <a:spcPts val="0"/>
+              </a:spcBef>
+              <a:spcAft>
+                <a:spcPts val="0"/>
+              </a:spcAft>
+              <a:buSzPts val="2400"/>
+              <a:buChar char="⩥"/>
+            </a:pPr>
+            <a:endParaRPr lang="en-US" sz="1600" dirty="0">
+              <a:solidFill>
+                <a:schemeClr val="tx1"/>
+              </a:solidFill>
+              <a:latin typeface="Europa"/>
+            </a:endParaRPr>
+          </a:p>
+          <a:p>
+            <a:pPr marL="457200" lvl="0" indent="-381000" algn="l" rtl="0">
+              <a:spcBef>
+                <a:spcPts val="0"/>
               </a:spcBef>
               <a:spcAft>
                 <a:spcPts val="0"/>
@@ -10412,14 +10464,37 @@
               <a:buChar char="⩥"/>
             </a:pPr>
             <a:r>
-              <a:rPr lang="en-IN" dirty="0"/>
-              <a:t>The user can get immediate location results.</a:t>
+              <a:rPr lang="en-US" sz="1600" dirty="0">
+                <a:solidFill>
+                  <a:schemeClr val="tx1"/>
+                </a:solidFill>
+                <a:latin typeface="Europa"/>
+              </a:rPr>
+              <a:t>We can replace the owner of the repository whenever needed so that smoothly the complete code can be transferred to the owner or any user.</a:t>
             </a:r>
           </a:p>
           <a:p>
             <a:pPr marL="457200" lvl="0" indent="-381000" algn="l" rtl="0">
               <a:spcBef>
-                <a:spcPts val="600"/>
+                <a:spcPts val="0"/>
+              </a:spcBef>
+              <a:spcAft>
+                <a:spcPts val="0"/>
+              </a:spcAft>
+              <a:buSzPts val="2400"/>
+              <a:buChar char="⩥"/>
+            </a:pPr>
+            <a:endParaRPr lang="en-US" sz="1600" dirty="0">
+              <a:solidFill>
+                <a:schemeClr val="tx1"/>
+              </a:solidFill>
+              <a:latin typeface="Europa"/>
+            </a:endParaRPr>
+          </a:p>
+          <a:p>
+            <a:pPr marL="457200" lvl="0" indent="-381000" algn="l" rtl="0">
+              <a:spcBef>
+                <a:spcPts val="0"/>
               </a:spcBef>
               <a:spcAft>
                 <a:spcPts val="0"/>
@@ -10428,9 +10503,31 @@
               <a:buChar char="⩥"/>
             </a:pPr>
             <a:r>
-              <a:rPr lang="en-IN" dirty="0"/>
-              <a:t>No extra software or tool is required on the user side to get the results. </a:t>
+              <a:rPr lang="en-US" sz="1600" dirty="0">
+                <a:solidFill>
+                  <a:schemeClr val="tx1"/>
+                </a:solidFill>
+                <a:latin typeface="Europa"/>
+              </a:rPr>
+              <a:t>We can also change the visibility of the repository to the outer world.</a:t>
             </a:r>
+          </a:p>
+          <a:p>
+            <a:pPr marL="457200" lvl="0" indent="-381000" algn="l" rtl="0">
+              <a:spcBef>
+                <a:spcPts val="0"/>
+              </a:spcBef>
+              <a:spcAft>
+                <a:spcPts val="0"/>
+              </a:spcAft>
+              <a:buSzPts val="2400"/>
+              <a:buChar char="⩥"/>
+            </a:pPr>
+            <a:endParaRPr lang="en-IN" sz="1600" dirty="0">
+              <a:solidFill>
+                <a:schemeClr val="tx1"/>
+              </a:solidFill>
+            </a:endParaRPr>
           </a:p>
         </p:txBody>
       </p:sp>
@@ -10774,7 +10871,7 @@
           <a:p>
             <a:pPr marL="457200" lvl="0" indent="-381000" algn="l" rtl="0">
               <a:spcBef>
-                <a:spcPts val="0"/>
+                <a:spcPts val="600"/>
               </a:spcBef>
               <a:spcAft>
                 <a:spcPts val="0"/>
@@ -10783,30 +10880,14 @@
               <a:buChar char="⩥"/>
             </a:pPr>
             <a:r>
-              <a:rPr lang="en" dirty="0"/>
-              <a:t>Without Internet </a:t>
+              <a:rPr lang="en-US" sz="1600" b="0" i="0" dirty="0">
+                <a:solidFill>
+                  <a:schemeClr val="tx1"/>
+                </a:solidFill>
+                <a:effectLst/>
+              </a:rPr>
+              <a:t>GitHub is a very powerful tool so it is hard to remember all the things as a beginner. New users can find many different options and ways of doing things in GitHub which is confusing. In particular, many people struggle with Git because of many unintuitive commands and the inconsistency between commands and arguments in the software.</a:t>
             </a:r>
-            <a:r>
-              <a:rPr lang="en-IN" dirty="0"/>
-              <a:t>connection</a:t>
-            </a:r>
-            <a:r>
-              <a:rPr lang="en" dirty="0"/>
-              <a:t> </a:t>
-            </a:r>
-            <a:r>
-              <a:rPr lang="en-IN" dirty="0"/>
-              <a:t>it is </a:t>
-            </a:r>
-            <a:r>
-              <a:rPr lang="en" dirty="0"/>
-              <a:t>not possi</a:t>
-            </a:r>
-            <a:r>
-              <a:rPr lang="en-IN" dirty="0"/>
-              <a:t>ble for a user to get the desired result.</a:t>
-            </a:r>
-            <a:endParaRPr dirty="0"/>
           </a:p>
           <a:p>
             <a:pPr marL="457200" lvl="0" indent="-381000" algn="l" rtl="0">
@@ -10819,15 +10900,32 @@
               <a:buSzPts val="2400"/>
               <a:buChar char="⩥"/>
             </a:pPr>
+            <a:endParaRPr lang="en-US" sz="1600" dirty="0">
+              <a:solidFill>
+                <a:schemeClr val="tx1"/>
+              </a:solidFill>
+            </a:endParaRPr>
+          </a:p>
+          <a:p>
+            <a:pPr marL="457200" lvl="0" indent="-381000" algn="l" rtl="0">
+              <a:spcBef>
+                <a:spcPts val="600"/>
+              </a:spcBef>
+              <a:spcAft>
+                <a:spcPts val="0"/>
+              </a:spcAft>
+              <a:buSzPts val="2400"/>
+              <a:buChar char="⩥"/>
+            </a:pPr>
             <a:r>
-              <a:rPr lang="en" dirty="0"/>
-              <a:t>While the conversion process from</a:t>
+              <a:rPr lang="en-US" sz="1600" b="0" i="0" dirty="0">
+                <a:solidFill>
+                  <a:schemeClr val="tx1"/>
+                </a:solidFill>
+                <a:effectLst/>
+              </a:rPr>
+              <a:t>Whenever we keep the repository private at that time many features are there in GitHub which we cannot use.</a:t>
             </a:r>
-            <a:r>
-              <a:rPr lang="en-IN" dirty="0"/>
-              <a:t> coordinates to a proper location there may be a chance that the same area name or location name may be present twice or more in that state or country. </a:t>
-            </a:r>
-            <a:endParaRPr dirty="0"/>
           </a:p>
         </p:txBody>
       </p:sp>
@@ -10966,7 +11064,7 @@
         <p:spPr>
           <a:xfrm>
             <a:off x="1540140" y="1554833"/>
-            <a:ext cx="6049330" cy="2931441"/>
+            <a:ext cx="5571860" cy="2931441"/>
           </a:xfrm>
           <a:prstGeom prst="rect">
             <a:avLst/>
@@ -10989,13 +11087,48 @@
               <a:buChar char="⩥"/>
             </a:pPr>
             <a:r>
-              <a:rPr lang="en" dirty="0"/>
-              <a:t>Now a day </a:t>
+              <a:rPr lang="en-US" sz="1600" dirty="0"/>
+              <a:t>Now a days most of the software companies and individuals are using this software for developing there application because they can easily track their software and can also see previous code if needed.</a:t>
             </a:r>
+          </a:p>
+          <a:p>
+            <a:pPr marL="457200" lvl="0" indent="-381000" algn="l" rtl="0">
+              <a:spcBef>
+                <a:spcPts val="0"/>
+              </a:spcBef>
+              <a:spcAft>
+                <a:spcPts val="0"/>
+              </a:spcAft>
+              <a:buSzPts val="2400"/>
+              <a:buChar char="⩥"/>
+            </a:pPr>
+            <a:endParaRPr lang="en-US" sz="1600" dirty="0"/>
+          </a:p>
+          <a:p>
+            <a:pPr marL="457200" lvl="0" indent="-381000" algn="l" rtl="0">
+              <a:spcBef>
+                <a:spcPts val="0"/>
+              </a:spcBef>
+              <a:spcAft>
+                <a:spcPts val="0"/>
+              </a:spcAft>
+              <a:buSzPts val="2400"/>
+              <a:buChar char="⩥"/>
+            </a:pPr>
             <a:r>
-              <a:rPr lang="en-IN" dirty="0"/>
-              <a:t>most of the websites and even applications uses this reverse geocoding techniques like Amazon, Flipkart , Google Maps, Zomato , Swiggy etc. to know the exact location of the user and send their product to that location.</a:t>
+              <a:rPr lang="en-IN" sz="1600" b="0" i="0" dirty="0">
+                <a:solidFill>
+                  <a:schemeClr val="tx1"/>
+                </a:solidFill>
+                <a:effectLst/>
+              </a:rPr>
+              <a:t>GitHub Copilot is a cloud-based artificial intelligence tool developed by GitHub and OpenAI to assist users of Visual Studio Code, Visual Studio, JetBrains integrated development environments by autocompleting code.</a:t>
             </a:r>
+            <a:endParaRPr lang="en-US" sz="1600" dirty="0">
+              <a:solidFill>
+                <a:schemeClr val="tx1"/>
+              </a:solidFill>
+            </a:endParaRPr>
           </a:p>
         </p:txBody>
       </p:sp>
@@ -11152,7 +11285,7 @@
             </a:r>
             <a:r>
               <a:rPr lang="en-US" dirty="0"/>
-              <a:t> in future a lot of upcoming companies and startups will be using this technique to get the users exact location and perform any operation with that resulted location.</a:t>
+              <a:t> in future a lot of upcoming companies and startups will be using Git and GitHub for their development work of application.</a:t>
             </a:r>
           </a:p>
         </p:txBody>
@@ -11313,7 +11446,7 @@
             </a:r>
             <a:r>
               <a:rPr lang="en-IN" dirty="0"/>
-              <a:t> [ Download Git Link ]</a:t>
+              <a:t> [ Git Link ]</a:t>
             </a:r>
             <a:endParaRPr dirty="0"/>
           </a:p>
@@ -11331,7 +11464,7 @@
             </a:r>
             <a:r>
               <a:rPr lang="en-IN" dirty="0"/>
-              <a:t>  [ Used to store Files ]</a:t>
+              <a:t>  [ GitHub Link ]</a:t>
             </a:r>
           </a:p>
         </p:txBody>
@@ -11440,7 +11573,7 @@
           </a:bodyPr>
           <a:lstStyle/>
           <a:p>
-            <a:pPr marL="0" lvl="0" indent="0" algn="l" rtl="0">
+            <a:pPr marL="0" lvl="0" indent="0" algn="ctr" rtl="0">
               <a:lnSpc>
                 <a:spcPct val="70000"/>
               </a:lnSpc>
@@ -13809,7 +13942,24 @@
                 </a:solidFill>
                 <a:effectLst/>
               </a:rPr>
-              <a:t>hosting service for software development and version control using Git. It provides the distributed version control of Git plus access control, bug tracking, software feature requests, task management, continuous integration, and wikis for every project.</a:t>
+              <a:t>hosting service for software development and version control using Git. It provides the distributed version control of Git plus access control, bug tracking, software feature requests, task management, continuous integration</a:t>
+            </a:r>
+            <a:r>
+              <a:rPr lang="en-US" sz="1800" dirty="0">
+                <a:solidFill>
+                  <a:schemeClr val="tx1"/>
+                </a:solidFill>
+              </a:rPr>
+              <a:t> </a:t>
+            </a:r>
+            <a:r>
+              <a:rPr lang="en-US" sz="1800" b="0" i="0" dirty="0">
+                <a:solidFill>
+                  <a:schemeClr val="tx1"/>
+                </a:solidFill>
+                <a:effectLst/>
+              </a:rPr>
+              <a:t>for every project.</a:t>
             </a:r>
             <a:endParaRPr lang="en-IN" sz="1800" dirty="0">
               <a:solidFill>
